--- a/Proj_Inf_EI_Poster_A3.pptx
+++ b/Proj_Inf_EI_Poster_A3.pptx
@@ -3366,6 +3366,41 @@
           <a:chExt cx="0" cy="0"/>
         </a:xfrm>
       </p:grpSpPr>
+      <p:pic>
+        <p:nvPicPr>
+          <p:cNvPr id="15" name="Content Placeholder 14" descr="Diagram&#10;&#10;Description automatically generated">
+            <a:extLst>
+              <a:ext uri="{FF2B5EF4-FFF2-40B4-BE49-F238E27FC236}">
+                <a16:creationId xmlns:a16="http://schemas.microsoft.com/office/drawing/2014/main" id="{758E6DAF-EF98-7086-8D8C-CB10D3077933}"/>
+              </a:ext>
+            </a:extLst>
+          </p:cNvPr>
+          <p:cNvPicPr>
+            <a:picLocks noGrp="1" noChangeAspect="1"/>
+          </p:cNvPicPr>
+          <p:nvPr>
+            <p:ph sz="half" idx="1"/>
+          </p:nvPr>
+        </p:nvPicPr>
+        <p:blipFill>
+          <a:blip r:embed="rId2">
+            <a:extLst>
+              <a:ext uri="{28A0092B-C50C-407E-A947-70E740481C1C}">
+                <a14:useLocalDpi xmlns:a14="http://schemas.microsoft.com/office/drawing/2010/main" val="0"/>
+              </a:ext>
+            </a:extLst>
+          </a:blip>
+          <a:stretch>
+            <a:fillRect/>
+          </a:stretch>
+        </p:blipFill>
+        <p:spPr>
+          <a:xfrm>
+            <a:off x="-72008" y="1776263"/>
+            <a:ext cx="12939331" cy="7474229"/>
+          </a:xfrm>
+        </p:spPr>
+      </p:pic>
       <p:sp>
         <p:nvSpPr>
           <p:cNvPr id="2" name="Rectangle 1"/>
@@ -3447,7 +3482,7 @@
           <p:nvPr/>
         </p:nvPicPr>
         <p:blipFill>
-          <a:blip r:embed="rId2">
+          <a:blip r:embed="rId3">
             <a:extLst>
               <a:ext uri="{28A0092B-C50C-407E-A947-70E740481C1C}">
                 <a14:useLocalDpi xmlns:a14="http://schemas.microsoft.com/office/drawing/2010/main" val="0"/>
@@ -3501,7 +3536,7 @@
           <p:nvPr/>
         </p:nvPicPr>
         <p:blipFill>
-          <a:blip r:embed="rId3" cstate="print">
+          <a:blip r:embed="rId4" cstate="print">
             <a:extLst>
               <a:ext uri="{28A0092B-C50C-407E-A947-70E740481C1C}">
                 <a14:useLocalDpi xmlns:a14="http://schemas.microsoft.com/office/drawing/2010/main" val="0"/>
@@ -3540,7 +3575,7 @@
           <p:nvPr/>
         </p:nvPicPr>
         <p:blipFill>
-          <a:blip r:embed="rId4">
+          <a:blip r:embed="rId5">
             <a:extLst>
               <a:ext uri="{28A0092B-C50C-407E-A947-70E740481C1C}">
                 <a14:useLocalDpi xmlns:a14="http://schemas.microsoft.com/office/drawing/2010/main" val="0"/>
@@ -3581,7 +3616,7 @@
           <p:nvPr/>
         </p:nvPicPr>
         <p:blipFill>
-          <a:blip r:embed="rId4">
+          <a:blip r:embed="rId5">
             <a:extLst>
               <a:ext uri="{28A0092B-C50C-407E-A947-70E740481C1C}">
                 <a14:useLocalDpi xmlns:a14="http://schemas.microsoft.com/office/drawing/2010/main" val="0"/>
@@ -3622,7 +3657,7 @@
           <p:nvPr/>
         </p:nvPicPr>
         <p:blipFill>
-          <a:blip r:embed="rId4">
+          <a:blip r:embed="rId5">
             <a:extLst>
               <a:ext uri="{28A0092B-C50C-407E-A947-70E740481C1C}">
                 <a14:useLocalDpi xmlns:a14="http://schemas.microsoft.com/office/drawing/2010/main" val="0"/>
@@ -3705,64 +3740,85 @@
       </p:sp>
       <p:sp>
         <p:nvSpPr>
-          <p:cNvPr id="13" name="Content Placeholder 12">
+          <p:cNvPr id="8" name="TextBox 7">
             <a:extLst>
               <a:ext uri="{FF2B5EF4-FFF2-40B4-BE49-F238E27FC236}">
-                <a16:creationId xmlns:a16="http://schemas.microsoft.com/office/drawing/2014/main" id="{8540B95E-B533-446C-6134-65DA44566604}"/>
+                <a16:creationId xmlns:a16="http://schemas.microsoft.com/office/drawing/2014/main" id="{81FF692E-464D-F7D8-1DB9-6648B574260C}"/>
               </a:ext>
             </a:extLst>
           </p:cNvPr>
-          <p:cNvSpPr>
-            <a:spLocks noGrp="1"/>
-          </p:cNvSpPr>
-          <p:nvPr>
-            <p:ph sz="half" idx="2"/>
-          </p:nvPr>
-        </p:nvSpPr>
-        <p:spPr/>
-        <p:txBody>
-          <a:bodyPr/>
+          <p:cNvSpPr txBox="1"/>
+          <p:nvPr/>
+        </p:nvSpPr>
+        <p:spPr>
+          <a:xfrm>
+            <a:off x="928192" y="8705861"/>
+            <a:ext cx="16381585" cy="1600438"/>
+          </a:xfrm>
+          <a:prstGeom prst="rect">
+            <a:avLst/>
+          </a:prstGeom>
+          <a:noFill/>
+        </p:spPr>
+        <p:txBody>
+          <a:bodyPr wrap="square" rtlCol="0">
+            <a:spAutoFit/>
+          </a:bodyPr>
           <a:lstStyle/>
           <a:p>
+            <a:r>
+              <a:rPr lang="pt-PT" sz="1600" dirty="0"/>
+              <a:t>Alunos: 2181454 - João Rebelos dos Santos		Orientadores: Professor Doutor David Ferreira Safadinho</a:t>
+            </a:r>
+          </a:p>
+          <a:p>
+            <a:r>
+              <a:rPr lang="pt-PT" sz="1600" dirty="0"/>
+              <a:t>             2181459 - Rúben Daniel Custódio Garcia 			       Professor Doutor Paulo Sampaio Abreu Madeira</a:t>
+            </a:r>
+          </a:p>
+          <a:p>
+            <a:r>
+              <a:rPr lang="pt-PT" sz="1600" dirty="0"/>
+              <a:t>							       Professor António Manuel de Jesus Pereira</a:t>
+            </a:r>
+          </a:p>
+          <a:p>
             <a:endParaRPr lang="pt-PT" dirty="0"/>
           </a:p>
-        </p:txBody>
-      </p:sp>
-      <p:pic>
-        <p:nvPicPr>
-          <p:cNvPr id="6" name="Content Placeholder 5" descr="Shape&#10;&#10;Description automatically generated">
+          <a:p>
+            <a:r>
+              <a:rPr lang="pt-PT" dirty="0"/>
+              <a:t>	</a:t>
+            </a:r>
+          </a:p>
+        </p:txBody>
+      </p:sp>
+      <p:sp>
+        <p:nvSpPr>
+          <p:cNvPr id="9" name="Content Placeholder 8">
             <a:extLst>
               <a:ext uri="{FF2B5EF4-FFF2-40B4-BE49-F238E27FC236}">
-                <a16:creationId xmlns:a16="http://schemas.microsoft.com/office/drawing/2014/main" id="{C2003B51-B394-8165-A4A6-7DD949E7B214}"/>
+                <a16:creationId xmlns:a16="http://schemas.microsoft.com/office/drawing/2014/main" id="{63332F0C-6952-AB1B-79B6-E40B261A183C}"/>
               </a:ext>
             </a:extLst>
           </p:cNvPr>
-          <p:cNvPicPr>
-            <a:picLocks noGrp="1" noChangeAspect="1"/>
-          </p:cNvPicPr>
-          <p:nvPr>
-            <p:ph sz="half" idx="1"/>
-          </p:nvPr>
-        </p:nvPicPr>
-        <p:blipFill>
-          <a:blip r:embed="rId5">
-            <a:extLst>
-              <a:ext uri="{28A0092B-C50C-407E-A947-70E740481C1C}">
-                <a14:useLocalDpi xmlns:a14="http://schemas.microsoft.com/office/drawing/2010/main" val="0"/>
-              </a:ext>
-            </a:extLst>
-          </a:blip>
-          <a:stretch>
-            <a:fillRect/>
-          </a:stretch>
-        </p:blipFill>
-        <p:spPr>
-          <a:xfrm>
-            <a:off x="79920" y="1632248"/>
-            <a:ext cx="12801600" cy="8541101"/>
-          </a:xfrm>
-        </p:spPr>
-      </p:pic>
+          <p:cNvSpPr>
+            <a:spLocks noGrp="1"/>
+          </p:cNvSpPr>
+          <p:nvPr>
+            <p:ph sz="half" idx="2"/>
+          </p:nvPr>
+        </p:nvSpPr>
+        <p:spPr/>
+        <p:txBody>
+          <a:bodyPr/>
+          <a:lstStyle/>
+          <a:p>
+            <a:endParaRPr lang="pt-PT" dirty="0"/>
+          </a:p>
+        </p:txBody>
+      </p:sp>
     </p:spTree>
   </p:cSld>
   <p:clrMapOvr>
